--- a/test/Encoding and Evolution.pptx
+++ b/test/Encoding and Evolution.pptx
@@ -30,6 +30,7 @@
     <p:sldId id="275" r:id="rId25"/>
     <p:sldId id="276" r:id="rId26"/>
     <p:sldId id="277" r:id="rId27"/>
+    <p:sldId id="278" r:id="rId28"/>
   </p:sldIdLst>
   <p:sldSz cy="5143500" cx="9144000"/>
   <p:notesSz cx="6858000" cy="9144000"/>
@@ -2078,7 +2079,7 @@
       </p:grpSpPr>
       <p:sp>
         <p:nvSpPr>
-          <p:cNvPr id="176" name="Google Shape;176;g2b1a6c3be8b_0_149:notes"/>
+          <p:cNvPr id="176" name="Google Shape;176;g2b1a6c3be8b_0_163:notes"/>
           <p:cNvSpPr/>
           <p:nvPr>
             <p:ph idx="2" type="sldImg"/>
@@ -2113,7 +2114,7 @@
       </p:sp>
       <p:sp>
         <p:nvSpPr>
-          <p:cNvPr id="177" name="Google Shape;177;g2b1a6c3be8b_0_149:notes"/>
+          <p:cNvPr id="177" name="Google Shape;177;g2b1a6c3be8b_0_163:notes"/>
           <p:cNvSpPr txBox="1"/>
           <p:nvPr>
             <p:ph idx="1" type="body"/>
@@ -2163,7 +2164,7 @@
   <p:cSld>
     <p:spTree>
       <p:nvGrpSpPr>
-        <p:cNvPr id="181" name="Shape 181"/>
+        <p:cNvPr id="182" name="Shape 182"/>
         <p:cNvGrpSpPr/>
         <p:nvPr/>
       </p:nvGrpSpPr>
@@ -2177,7 +2178,7 @@
       </p:grpSpPr>
       <p:sp>
         <p:nvSpPr>
-          <p:cNvPr id="182" name="Google Shape;182;g2b1a6c3be8b_0_154:notes"/>
+          <p:cNvPr id="183" name="Google Shape;183;g2b1a6c3be8b_0_149:notes"/>
           <p:cNvSpPr/>
           <p:nvPr>
             <p:ph idx="2" type="sldImg"/>
@@ -2212,7 +2213,106 @@
       </p:sp>
       <p:sp>
         <p:nvSpPr>
-          <p:cNvPr id="183" name="Google Shape;183;g2b1a6c3be8b_0_154:notes"/>
+          <p:cNvPr id="184" name="Google Shape;184;g2b1a6c3be8b_0_149:notes"/>
+          <p:cNvSpPr txBox="1"/>
+          <p:nvPr>
+            <p:ph idx="1" type="body"/>
+          </p:nvPr>
+        </p:nvSpPr>
+        <p:spPr>
+          <a:xfrm>
+            <a:off x="685800" y="4343400"/>
+            <a:ext cx="5486400" cy="4114800"/>
+          </a:xfrm>
+          <a:prstGeom prst="rect">
+            <a:avLst/>
+          </a:prstGeom>
+        </p:spPr>
+        <p:txBody>
+          <a:bodyPr anchorCtr="0" anchor="t" bIns="91425" lIns="91425" spcFirstLastPara="1" rIns="91425" wrap="square" tIns="91425">
+            <a:noAutofit/>
+          </a:bodyPr>
+          <a:lstStyle/>
+          <a:p>
+            <a:pPr indent="0" lvl="0" marL="0" rtl="0" algn="l">
+              <a:spcBef>
+                <a:spcPts val="0"/>
+              </a:spcBef>
+              <a:spcAft>
+                <a:spcPts val="0"/>
+              </a:spcAft>
+              <a:buNone/>
+            </a:pPr>
+            <a:r>
+              <a:t/>
+            </a:r>
+            <a:endParaRPr/>
+          </a:p>
+        </p:txBody>
+      </p:sp>
+    </p:spTree>
+  </p:cSld>
+  <p:clrMapOvr>
+    <a:masterClrMapping/>
+  </p:clrMapOvr>
+</p:notes>
+</file>
+
+<file path=ppt/notesSlides/notesSlide23.xml><?xml version="1.0" encoding="utf-8"?>
+<p:notes xmlns:a="http://schemas.openxmlformats.org/drawingml/2006/main" xmlns:r="http://schemas.openxmlformats.org/officeDocument/2006/relationships" xmlns:mc="http://schemas.openxmlformats.org/markup-compatibility/2006" xmlns:mv="urn:schemas-microsoft-com:mac:vml" xmlns:p="http://schemas.openxmlformats.org/presentationml/2006/main" xmlns:c="http://schemas.openxmlformats.org/drawingml/2006/chart" xmlns:dgm="http://schemas.openxmlformats.org/drawingml/2006/diagram" xmlns:o="urn:schemas-microsoft-com:office:office" xmlns:v="urn:schemas-microsoft-com:vml" xmlns:pvml="urn:schemas-microsoft-com:office:powerpoint" xmlns:com="http://schemas.openxmlformats.org/drawingml/2006/compatibility" xmlns:p14="http://schemas.microsoft.com/office/powerpoint/2010/main" xmlns:p15="http://schemas.microsoft.com/office/powerpoint/2012/main" xmlns:ahyp="http://schemas.microsoft.com/office/drawing/2018/hyperlinkcolor" showMasterPhAnim="0" showMasterSp="0">
+  <p:cSld>
+    <p:spTree>
+      <p:nvGrpSpPr>
+        <p:cNvPr id="188" name="Shape 188"/>
+        <p:cNvGrpSpPr/>
+        <p:nvPr/>
+      </p:nvGrpSpPr>
+      <p:grpSpPr>
+        <a:xfrm>
+          <a:off x="0" y="0"/>
+          <a:ext cx="0" cy="0"/>
+          <a:chOff x="0" y="0"/>
+          <a:chExt cx="0" cy="0"/>
+        </a:xfrm>
+      </p:grpSpPr>
+      <p:sp>
+        <p:nvSpPr>
+          <p:cNvPr id="189" name="Google Shape;189;g2b1a6c3be8b_0_154:notes"/>
+          <p:cNvSpPr/>
+          <p:nvPr>
+            <p:ph idx="2" type="sldImg"/>
+          </p:nvPr>
+        </p:nvSpPr>
+        <p:spPr>
+          <a:xfrm>
+            <a:off x="381300" y="685800"/>
+            <a:ext cx="6096000" cy="3429000"/>
+          </a:xfrm>
+          <a:custGeom>
+            <a:rect b="b" l="l" r="r" t="t"/>
+            <a:pathLst>
+              <a:path extrusionOk="0" h="120000" w="120000">
+                <a:moveTo>
+                  <a:pt x="0" y="0"/>
+                </a:moveTo>
+                <a:lnTo>
+                  <a:pt x="120000" y="0"/>
+                </a:lnTo>
+                <a:lnTo>
+                  <a:pt x="120000" y="120000"/>
+                </a:lnTo>
+                <a:lnTo>
+                  <a:pt x="0" y="120000"/>
+                </a:lnTo>
+                <a:close/>
+              </a:path>
+            </a:pathLst>
+          </a:custGeom>
+        </p:spPr>
+      </p:sp>
+      <p:sp>
+        <p:nvSpPr>
+          <p:cNvPr id="190" name="Google Shape;190;g2b1a6c3be8b_0_154:notes"/>
           <p:cNvSpPr txBox="1"/>
           <p:nvPr>
             <p:ph idx="1" type="body"/>
@@ -10698,6 +10798,81 @@
           <p:cNvPr id="179" name="Google Shape;179;p33"/>
           <p:cNvSpPr txBox="1"/>
           <p:nvPr>
+            <p:ph idx="1" type="body"/>
+          </p:nvPr>
+        </p:nvSpPr>
+        <p:spPr>
+          <a:xfrm>
+            <a:off x="311700" y="1152475"/>
+            <a:ext cx="3669900" cy="3416400"/>
+          </a:xfrm>
+          <a:prstGeom prst="rect">
+            <a:avLst/>
+          </a:prstGeom>
+        </p:spPr>
+        <p:txBody>
+          <a:bodyPr anchorCtr="0" anchor="t" bIns="91425" lIns="91425" spcFirstLastPara="1" rIns="91425" wrap="square" tIns="91425">
+            <a:normAutofit/>
+          </a:bodyPr>
+          <a:lstStyle/>
+          <a:p>
+            <a:pPr indent="0" lvl="0" marL="0" rtl="0" algn="l">
+              <a:spcBef>
+                <a:spcPts val="0"/>
+              </a:spcBef>
+              <a:spcAft>
+                <a:spcPts val="0"/>
+              </a:spcAft>
+              <a:buNone/>
+            </a:pPr>
+            <a:r>
+              <a:rPr b="1" lang="en"/>
+              <a:t>Arvo</a:t>
+            </a:r>
+            <a:r>
+              <a:rPr lang="en"/>
+              <a:t> is is another binary encoding format that is interestingly different from Protocol Buffers and Thrift.</a:t>
+            </a:r>
+            <a:endParaRPr/>
+          </a:p>
+          <a:p>
+            <a:pPr indent="0" lvl="0" marL="0" rtl="0" algn="l">
+              <a:spcBef>
+                <a:spcPts val="1200"/>
+              </a:spcBef>
+              <a:spcAft>
+                <a:spcPts val="0"/>
+              </a:spcAft>
+              <a:buNone/>
+            </a:pPr>
+            <a:r>
+              <a:rPr lang="en"/>
+              <a:t>It was started in 2009 as a sub-project of Hadoop</a:t>
+            </a:r>
+            <a:endParaRPr/>
+          </a:p>
+          <a:p>
+            <a:pPr indent="0" lvl="0" marL="0" rtl="0" algn="l">
+              <a:spcBef>
+                <a:spcPts val="1200"/>
+              </a:spcBef>
+              <a:spcAft>
+                <a:spcPts val="1200"/>
+              </a:spcAft>
+              <a:buNone/>
+            </a:pPr>
+            <a:r>
+              <a:t/>
+            </a:r>
+            <a:endParaRPr/>
+          </a:p>
+        </p:txBody>
+      </p:sp>
+      <p:sp>
+        <p:nvSpPr>
+          <p:cNvPr id="180" name="Google Shape;180;p33"/>
+          <p:cNvSpPr txBox="1"/>
+          <p:nvPr>
             <p:ph type="title"/>
           </p:nvPr>
         </p:nvSpPr>
@@ -10727,6 +10902,99 @@
             </a:pPr>
             <a:r>
               <a:rPr lang="en"/>
+              <a:t>Encoding - Binary Encoding</a:t>
+            </a:r>
+            <a:endParaRPr/>
+          </a:p>
+        </p:txBody>
+      </p:sp>
+      <p:pic>
+        <p:nvPicPr>
+          <p:cNvPr id="181" name="Google Shape;181;p33"/>
+          <p:cNvPicPr preferRelativeResize="0"/>
+          <p:nvPr/>
+        </p:nvPicPr>
+        <p:blipFill>
+          <a:blip r:embed="rId3">
+            <a:alphaModFix/>
+          </a:blip>
+          <a:stretch>
+            <a:fillRect/>
+          </a:stretch>
+        </p:blipFill>
+        <p:spPr>
+          <a:xfrm>
+            <a:off x="3806575" y="1194725"/>
+            <a:ext cx="4857600" cy="3236019"/>
+          </a:xfrm>
+          <a:prstGeom prst="rect">
+            <a:avLst/>
+          </a:prstGeom>
+          <a:noFill/>
+          <a:ln>
+            <a:noFill/>
+          </a:ln>
+        </p:spPr>
+      </p:pic>
+    </p:spTree>
+  </p:cSld>
+  <p:clrMapOvr>
+    <a:masterClrMapping/>
+  </p:clrMapOvr>
+</p:sld>
+</file>
+
+<file path=ppt/slides/slide22.xml><?xml version="1.0" encoding="utf-8"?>
+<p:sld xmlns:a="http://schemas.openxmlformats.org/drawingml/2006/main" xmlns:r="http://schemas.openxmlformats.org/officeDocument/2006/relationships" xmlns:mc="http://schemas.openxmlformats.org/markup-compatibility/2006" xmlns:mv="urn:schemas-microsoft-com:mac:vml" xmlns:p="http://schemas.openxmlformats.org/presentationml/2006/main" xmlns:c="http://schemas.openxmlformats.org/drawingml/2006/chart" xmlns:dgm="http://schemas.openxmlformats.org/drawingml/2006/diagram" xmlns:o="urn:schemas-microsoft-com:office:office" xmlns:v="urn:schemas-microsoft-com:vml" xmlns:pvml="urn:schemas-microsoft-com:office:powerpoint" xmlns:com="http://schemas.openxmlformats.org/drawingml/2006/compatibility" xmlns:p14="http://schemas.microsoft.com/office/powerpoint/2010/main" xmlns:p15="http://schemas.microsoft.com/office/powerpoint/2012/main" xmlns:ahyp="http://schemas.microsoft.com/office/drawing/2018/hyperlinkcolor">
+  <p:cSld>
+    <p:spTree>
+      <p:nvGrpSpPr>
+        <p:cNvPr id="185" name="Shape 185"/>
+        <p:cNvGrpSpPr/>
+        <p:nvPr/>
+      </p:nvGrpSpPr>
+      <p:grpSpPr>
+        <a:xfrm>
+          <a:off x="0" y="0"/>
+          <a:ext cx="0" cy="0"/>
+          <a:chOff x="0" y="0"/>
+          <a:chExt cx="0" cy="0"/>
+        </a:xfrm>
+      </p:grpSpPr>
+      <p:sp>
+        <p:nvSpPr>
+          <p:cNvPr id="186" name="Google Shape;186;p34"/>
+          <p:cNvSpPr txBox="1"/>
+          <p:nvPr>
+            <p:ph type="title"/>
+          </p:nvPr>
+        </p:nvSpPr>
+        <p:spPr>
+          <a:xfrm>
+            <a:off x="311700" y="445025"/>
+            <a:ext cx="8520600" cy="572700"/>
+          </a:xfrm>
+          <a:prstGeom prst="rect">
+            <a:avLst/>
+          </a:prstGeom>
+        </p:spPr>
+        <p:txBody>
+          <a:bodyPr anchorCtr="0" anchor="t" bIns="91425" lIns="91425" spcFirstLastPara="1" rIns="91425" wrap="square" tIns="91425">
+            <a:normAutofit fontScale="90000"/>
+          </a:bodyPr>
+          <a:lstStyle/>
+          <a:p>
+            <a:pPr indent="0" lvl="0" marL="0" rtl="0" algn="l">
+              <a:spcBef>
+                <a:spcPts val="0"/>
+              </a:spcBef>
+              <a:spcAft>
+                <a:spcPts val="0"/>
+              </a:spcAft>
+              <a:buNone/>
+            </a:pPr>
+            <a:r>
+              <a:rPr lang="en"/>
               <a:t>Tools</a:t>
             </a:r>
             <a:endParaRPr/>
@@ -10735,7 +11003,7 @@
       </p:sp>
       <p:sp>
         <p:nvSpPr>
-          <p:cNvPr id="180" name="Google Shape;180;p33"/>
+          <p:cNvPr id="187" name="Google Shape;187;p34"/>
           <p:cNvSpPr txBox="1"/>
           <p:nvPr>
             <p:ph idx="1" type="body"/>
@@ -10813,12 +11081,12 @@
 </p:sld>
 </file>
 
-<file path=ppt/slides/slide22.xml><?xml version="1.0" encoding="utf-8"?>
+<file path=ppt/slides/slide23.xml><?xml version="1.0" encoding="utf-8"?>
 <p:sld xmlns:a="http://schemas.openxmlformats.org/drawingml/2006/main" xmlns:r="http://schemas.openxmlformats.org/officeDocument/2006/relationships" xmlns:mc="http://schemas.openxmlformats.org/markup-compatibility/2006" xmlns:mv="urn:schemas-microsoft-com:mac:vml" xmlns:p="http://schemas.openxmlformats.org/presentationml/2006/main" xmlns:c="http://schemas.openxmlformats.org/drawingml/2006/chart" xmlns:dgm="http://schemas.openxmlformats.org/drawingml/2006/diagram" xmlns:o="urn:schemas-microsoft-com:office:office" xmlns:v="urn:schemas-microsoft-com:vml" xmlns:pvml="urn:schemas-microsoft-com:office:powerpoint" xmlns:com="http://schemas.openxmlformats.org/drawingml/2006/compatibility" xmlns:p14="http://schemas.microsoft.com/office/powerpoint/2010/main" xmlns:p15="http://schemas.microsoft.com/office/powerpoint/2012/main" xmlns:ahyp="http://schemas.microsoft.com/office/drawing/2018/hyperlinkcolor">
   <p:cSld>
     <p:spTree>
       <p:nvGrpSpPr>
-        <p:cNvPr id="184" name="Shape 184"/>
+        <p:cNvPr id="191" name="Shape 191"/>
         <p:cNvGrpSpPr/>
         <p:nvPr/>
       </p:nvGrpSpPr>
@@ -10832,7 +11100,7 @@
       </p:grpSpPr>
       <p:sp>
         <p:nvSpPr>
-          <p:cNvPr id="185" name="Google Shape;185;p34"/>
+          <p:cNvPr id="192" name="Google Shape;192;p35"/>
           <p:cNvSpPr txBox="1"/>
           <p:nvPr>
             <p:ph type="title"/>
@@ -10872,7 +11140,7 @@
       </p:sp>
       <p:sp>
         <p:nvSpPr>
-          <p:cNvPr id="186" name="Google Shape;186;p34"/>
+          <p:cNvPr id="193" name="Google Shape;193;p35"/>
           <p:cNvSpPr txBox="1"/>
           <p:nvPr>
             <p:ph idx="1" type="body"/>
